--- a/chen_2020_paper_presentation.pptx
+++ b/chen_2020_paper_presentation.pptx
@@ -259,7 +259,7 @@
           <a:p>
             <a:fld id="{3A32553C-8832-4596-8358-5C9FDF180B7C}" type="datetimeFigureOut">
               <a:rPr lang="fr-FR" smtClean="0"/>
-              <a:t>09/12/2021</a:t>
+              <a:t>06/10/2022</a:t>
             </a:fld>
             <a:endParaRPr lang="fr-FR"/>
           </a:p>
@@ -6059,7 +6059,7 @@
           <a:p>
             <a:fld id="{FCEDFBB8-994A-44FF-A080-4259DC8403AA}" type="datetimeFigureOut">
               <a:rPr lang="fr-FR" smtClean="0"/>
-              <a:t>09/12/2021</a:t>
+              <a:t>06/10/2022</a:t>
             </a:fld>
             <a:endParaRPr lang="fr-FR"/>
           </a:p>
@@ -6258,7 +6258,7 @@
           <a:p>
             <a:fld id="{FCEDFBB8-994A-44FF-A080-4259DC8403AA}" type="datetimeFigureOut">
               <a:rPr lang="fr-FR" smtClean="0"/>
-              <a:t>09/12/2021</a:t>
+              <a:t>06/10/2022</a:t>
             </a:fld>
             <a:endParaRPr lang="fr-FR"/>
           </a:p>
@@ -6467,7 +6467,7 @@
           <a:p>
             <a:fld id="{FCEDFBB8-994A-44FF-A080-4259DC8403AA}" type="datetimeFigureOut">
               <a:rPr lang="fr-FR" smtClean="0"/>
-              <a:t>09/12/2021</a:t>
+              <a:t>06/10/2022</a:t>
             </a:fld>
             <a:endParaRPr lang="fr-FR"/>
           </a:p>
@@ -6666,7 +6666,7 @@
           <a:p>
             <a:fld id="{FCEDFBB8-994A-44FF-A080-4259DC8403AA}" type="datetimeFigureOut">
               <a:rPr lang="fr-FR" smtClean="0"/>
-              <a:t>09/12/2021</a:t>
+              <a:t>06/10/2022</a:t>
             </a:fld>
             <a:endParaRPr lang="fr-FR"/>
           </a:p>
@@ -6942,7 +6942,7 @@
           <a:p>
             <a:fld id="{FCEDFBB8-994A-44FF-A080-4259DC8403AA}" type="datetimeFigureOut">
               <a:rPr lang="fr-FR" smtClean="0"/>
-              <a:t>09/12/2021</a:t>
+              <a:t>06/10/2022</a:t>
             </a:fld>
             <a:endParaRPr lang="fr-FR"/>
           </a:p>
@@ -7208,7 +7208,7 @@
           <a:p>
             <a:fld id="{FCEDFBB8-994A-44FF-A080-4259DC8403AA}" type="datetimeFigureOut">
               <a:rPr lang="fr-FR" smtClean="0"/>
-              <a:t>09/12/2021</a:t>
+              <a:t>06/10/2022</a:t>
             </a:fld>
             <a:endParaRPr lang="fr-FR"/>
           </a:p>
@@ -7621,7 +7621,7 @@
           <a:p>
             <a:fld id="{FCEDFBB8-994A-44FF-A080-4259DC8403AA}" type="datetimeFigureOut">
               <a:rPr lang="fr-FR" smtClean="0"/>
-              <a:t>09/12/2021</a:t>
+              <a:t>06/10/2022</a:t>
             </a:fld>
             <a:endParaRPr lang="fr-FR"/>
           </a:p>
@@ -7763,7 +7763,7 @@
           <a:p>
             <a:fld id="{FCEDFBB8-994A-44FF-A080-4259DC8403AA}" type="datetimeFigureOut">
               <a:rPr lang="fr-FR" smtClean="0"/>
-              <a:t>09/12/2021</a:t>
+              <a:t>06/10/2022</a:t>
             </a:fld>
             <a:endParaRPr lang="fr-FR"/>
           </a:p>
@@ -7877,7 +7877,7 @@
           <a:p>
             <a:fld id="{FCEDFBB8-994A-44FF-A080-4259DC8403AA}" type="datetimeFigureOut">
               <a:rPr lang="fr-FR" smtClean="0"/>
-              <a:t>09/12/2021</a:t>
+              <a:t>06/10/2022</a:t>
             </a:fld>
             <a:endParaRPr lang="fr-FR"/>
           </a:p>
@@ -8189,7 +8189,7 @@
           <a:p>
             <a:fld id="{FCEDFBB8-994A-44FF-A080-4259DC8403AA}" type="datetimeFigureOut">
               <a:rPr lang="fr-FR" smtClean="0"/>
-              <a:t>09/12/2021</a:t>
+              <a:t>06/10/2022</a:t>
             </a:fld>
             <a:endParaRPr lang="fr-FR"/>
           </a:p>
@@ -8478,7 +8478,7 @@
           <a:p>
             <a:fld id="{FCEDFBB8-994A-44FF-A080-4259DC8403AA}" type="datetimeFigureOut">
               <a:rPr lang="fr-FR" smtClean="0"/>
-              <a:t>09/12/2021</a:t>
+              <a:t>06/10/2022</a:t>
             </a:fld>
             <a:endParaRPr lang="fr-FR"/>
           </a:p>
@@ -8723,7 +8723,7 @@
           <a:p>
             <a:fld id="{FCEDFBB8-994A-44FF-A080-4259DC8403AA}" type="datetimeFigureOut">
               <a:rPr lang="fr-FR" smtClean="0"/>
-              <a:t>09/12/2021</a:t>
+              <a:t>06/10/2022</a:t>
             </a:fld>
             <a:endParaRPr lang="fr-FR"/>
           </a:p>
@@ -15093,10 +15093,10 @@
       </p:sp>
       <p:pic>
         <p:nvPicPr>
-          <p:cNvPr id="4" name="Image 4" descr="Une image contenant texte, équipement électronique, jack&#10;&#10;Description générée automatiquement">
-            <a:extLst>
-              <a:ext uri="{FF2B5EF4-FFF2-40B4-BE49-F238E27FC236}">
-                <a16:creationId xmlns:a16="http://schemas.microsoft.com/office/drawing/2014/main" id="{A66E9D1D-E9E7-4772-888D-8D56811D4884}"/>
+          <p:cNvPr id="6" name="Image 6" descr="Une image contenant texte, équipement électronique, jack&#10;&#10;Description générée automatiquement">
+            <a:extLst>
+              <a:ext uri="{FF2B5EF4-FFF2-40B4-BE49-F238E27FC236}">
+                <a16:creationId xmlns:a16="http://schemas.microsoft.com/office/drawing/2014/main" id="{AF315D20-A148-42A8-9E38-755416DA52DC}"/>
               </a:ext>
             </a:extLst>
           </p:cNvPr>
@@ -15113,38 +15113,8 @@
         </p:blipFill>
         <p:spPr>
           <a:xfrm>
-            <a:off x="6343650" y="739235"/>
-            <a:ext cx="3528218" cy="2612516"/>
-          </a:xfrm>
-          <a:prstGeom prst="rect">
-            <a:avLst/>
-          </a:prstGeom>
-        </p:spPr>
-      </p:pic>
-      <p:pic>
-        <p:nvPicPr>
-          <p:cNvPr id="6" name="Image 6" descr="Une image contenant texte, équipement électronique, jack&#10;&#10;Description générée automatiquement">
-            <a:extLst>
-              <a:ext uri="{FF2B5EF4-FFF2-40B4-BE49-F238E27FC236}">
-                <a16:creationId xmlns:a16="http://schemas.microsoft.com/office/drawing/2014/main" id="{AF315D20-A148-42A8-9E38-755416DA52DC}"/>
-              </a:ext>
-            </a:extLst>
-          </p:cNvPr>
-          <p:cNvPicPr>
-            <a:picLocks noChangeAspect="1"/>
-          </p:cNvPicPr>
-          <p:nvPr/>
-        </p:nvPicPr>
-        <p:blipFill>
-          <a:blip r:embed="rId4"/>
-          <a:stretch>
-            <a:fillRect/>
-          </a:stretch>
-        </p:blipFill>
-        <p:spPr>
-          <a:xfrm>
-            <a:off x="1611313" y="743355"/>
-            <a:ext cx="3378200" cy="2621742"/>
+            <a:off x="1611312" y="743355"/>
+            <a:ext cx="3524436" cy="2621742"/>
           </a:xfrm>
           <a:prstGeom prst="rect">
             <a:avLst/>
@@ -15885,7 +15855,7 @@
           <p:nvPr/>
         </p:nvPicPr>
         <p:blipFill rotWithShape="1">
-          <a:blip r:embed="rId5"/>
+          <a:blip r:embed="rId4"/>
           <a:srcRect l="-187" t="-110" r="4483" b="110"/>
           <a:stretch/>
         </p:blipFill>
@@ -16020,6 +15990,36 @@
           </a:p>
         </p:txBody>
       </p:sp>
+      <p:pic>
+        <p:nvPicPr>
+          <p:cNvPr id="3" name="Image 4" descr="Une image contenant texte, équipement électronique, jack&#10;&#10;Description générée automatiquement">
+            <a:extLst>
+              <a:ext uri="{FF2B5EF4-FFF2-40B4-BE49-F238E27FC236}">
+                <a16:creationId xmlns:a16="http://schemas.microsoft.com/office/drawing/2014/main" id="{5C7A1D07-1BF4-4201-AB00-4DE1874B93FF}"/>
+              </a:ext>
+            </a:extLst>
+          </p:cNvPr>
+          <p:cNvPicPr>
+            <a:picLocks noChangeAspect="1"/>
+          </p:cNvPicPr>
+          <p:nvPr/>
+        </p:nvPicPr>
+        <p:blipFill>
+          <a:blip r:embed="rId5"/>
+          <a:stretch>
+            <a:fillRect/>
+          </a:stretch>
+        </p:blipFill>
+        <p:spPr>
+          <a:xfrm>
+            <a:off x="6343650" y="739235"/>
+            <a:ext cx="3375818" cy="2624239"/>
+          </a:xfrm>
+          <a:prstGeom prst="rect">
+            <a:avLst/>
+          </a:prstGeom>
+        </p:spPr>
+      </p:pic>
     </p:spTree>
     <p:extLst>
       <p:ext uri="{BB962C8B-B14F-4D97-AF65-F5344CB8AC3E}">
@@ -16203,8 +16203,8 @@
         </p:blipFill>
         <p:spPr>
           <a:xfrm>
-            <a:off x="1611313" y="743355"/>
-            <a:ext cx="3518876" cy="2621742"/>
+            <a:off x="1611312" y="743355"/>
+            <a:ext cx="3524435" cy="2621742"/>
           </a:xfrm>
           <a:prstGeom prst="rect">
             <a:avLst/>
